--- a/CSE308-S19/Slides/PPT/CSE308_Lec0.pptx
+++ b/CSE308-S19/Slides/PPT/CSE308_Lec0.pptx
@@ -5,7 +5,7 @@
     <p:sldMasterId id="2147483902" r:id="rId1"/>
   </p:sldMasterIdLst>
   <p:notesMasterIdLst>
-    <p:notesMasterId r:id="rId23"/>
+    <p:notesMasterId r:id="rId22"/>
   </p:notesMasterIdLst>
   <p:sldIdLst>
     <p:sldId id="256" r:id="rId2"/>
@@ -25,10 +25,9 @@
     <p:sldId id="263" r:id="rId16"/>
     <p:sldId id="266" r:id="rId17"/>
     <p:sldId id="274" r:id="rId18"/>
-    <p:sldId id="265" r:id="rId19"/>
-    <p:sldId id="268" r:id="rId20"/>
-    <p:sldId id="275" r:id="rId21"/>
-    <p:sldId id="276" r:id="rId22"/>
+    <p:sldId id="268" r:id="rId19"/>
+    <p:sldId id="275" r:id="rId20"/>
+    <p:sldId id="276" r:id="rId21"/>
   </p:sldIdLst>
   <p:sldSz cx="9144000" cy="6858000" type="screen4x3"/>
   <p:notesSz cx="6858000" cy="9144000"/>
@@ -228,7 +227,7 @@
           <a:p>
             <a:fld id="{672A025E-C960-4AB6-8E8E-0EE6D13ED4ED}" type="datetimeFigureOut">
               <a:rPr lang="en-US" smtClean="0"/>
-              <a:t>2/24/2019</a:t>
+              <a:t>2/26/2019</a:t>
             </a:fld>
             <a:endParaRPr lang="en-US"/>
           </a:p>
@@ -721,7 +720,7 @@
           <a:p>
             <a:fld id="{C9450245-6F3E-4E49-A01A-33C72AF40E97}" type="datetime1">
               <a:rPr lang="en-US" smtClean="0"/>
-              <a:t>2/24/2019</a:t>
+              <a:t>2/26/2019</a:t>
             </a:fld>
             <a:endParaRPr lang="en-US" dirty="0"/>
           </a:p>
@@ -932,7 +931,7 @@
           <a:p>
             <a:fld id="{9D941E2E-9E30-4203-ABFC-10F381BF2A12}" type="datetime1">
               <a:rPr lang="en-US" smtClean="0"/>
-              <a:t>2/24/2019</a:t>
+              <a:t>2/26/2019</a:t>
             </a:fld>
             <a:endParaRPr lang="en-US"/>
           </a:p>
@@ -1192,7 +1191,7 @@
           <a:p>
             <a:fld id="{9D941E2E-9E30-4203-ABFC-10F381BF2A12}" type="datetime1">
               <a:rPr lang="en-US" smtClean="0"/>
-              <a:t>2/24/2019</a:t>
+              <a:t>2/26/2019</a:t>
             </a:fld>
             <a:endParaRPr lang="en-US"/>
           </a:p>
@@ -1366,7 +1365,7 @@
           <a:p>
             <a:fld id="{9D941E2E-9E30-4203-ABFC-10F381BF2A12}" type="datetime1">
               <a:rPr lang="en-US" smtClean="0"/>
-              <a:t>2/24/2019</a:t>
+              <a:t>2/26/2019</a:t>
             </a:fld>
             <a:endParaRPr lang="en-US"/>
           </a:p>
@@ -1713,7 +1712,7 @@
           <a:p>
             <a:fld id="{51173CD0-6D6C-4FEA-9A98-7F5E7DAD237A}" type="datetime1">
               <a:rPr lang="en-US" smtClean="0"/>
-              <a:t>2/24/2019</a:t>
+              <a:t>2/26/2019</a:t>
             </a:fld>
             <a:endParaRPr lang="en-US"/>
           </a:p>
@@ -1991,7 +1990,7 @@
           <a:p>
             <a:fld id="{9D941E2E-9E30-4203-ABFC-10F381BF2A12}" type="datetime1">
               <a:rPr lang="en-US" smtClean="0"/>
-              <a:t>2/24/2019</a:t>
+              <a:t>2/26/2019</a:t>
             </a:fld>
             <a:endParaRPr lang="en-US"/>
           </a:p>
@@ -2374,7 +2373,7 @@
           <a:p>
             <a:fld id="{9D941E2E-9E30-4203-ABFC-10F381BF2A12}" type="datetime1">
               <a:rPr lang="en-US" smtClean="0"/>
-              <a:t>2/24/2019</a:t>
+              <a:t>2/26/2019</a:t>
             </a:fld>
             <a:endParaRPr lang="en-US"/>
           </a:p>
@@ -2496,7 +2495,7 @@
           <a:p>
             <a:fld id="{4C94B876-920C-40A7-A429-70EA2E711116}" type="datetime1">
               <a:rPr lang="en-US" smtClean="0"/>
-              <a:t>2/24/2019</a:t>
+              <a:t>2/26/2019</a:t>
             </a:fld>
             <a:endParaRPr lang="en-US"/>
           </a:p>
@@ -2670,7 +2669,7 @@
           <a:p>
             <a:fld id="{687BB759-A4D2-4F8B-AEBE-C918CFB723A5}" type="datetime1">
               <a:rPr lang="en-US" smtClean="0"/>
-              <a:t>2/24/2019</a:t>
+              <a:t>2/26/2019</a:t>
             </a:fld>
             <a:endParaRPr lang="en-US"/>
           </a:p>
@@ -3027,7 +3026,7 @@
           <a:p>
             <a:fld id="{9D941E2E-9E30-4203-ABFC-10F381BF2A12}" type="datetime1">
               <a:rPr lang="en-US" smtClean="0"/>
-              <a:t>2/24/2019</a:t>
+              <a:t>2/26/2019</a:t>
             </a:fld>
             <a:endParaRPr lang="en-US"/>
           </a:p>
@@ -3413,7 +3412,7 @@
           <a:p>
             <a:fld id="{B7BE5A15-D7AD-40D4-96ED-A55891BF6EC5}" type="datetime1">
               <a:rPr lang="en-US" smtClean="0"/>
-              <a:t>2/24/2019</a:t>
+              <a:t>2/26/2019</a:t>
             </a:fld>
             <a:endParaRPr lang="en-US"/>
           </a:p>
@@ -3703,7 +3702,7 @@
           <a:p>
             <a:fld id="{9D941E2E-9E30-4203-ABFC-10F381BF2A12}" type="datetime1">
               <a:rPr lang="en-US" smtClean="0"/>
-              <a:t>2/24/2019</a:t>
+              <a:t>2/26/2019</a:t>
             </a:fld>
             <a:endParaRPr lang="en-US"/>
           </a:p>
@@ -5815,7 +5814,7 @@
           <a:p>
             <a:r>
               <a:rPr lang="en-US" dirty="0"/>
-              <a:t>TA Assistance</a:t>
+              <a:t>Electronics in Class</a:t>
             </a:r>
           </a:p>
         </p:txBody>
@@ -5830,12 +5829,7 @@
             <p:ph idx="1"/>
           </p:nvPr>
         </p:nvSpPr>
-        <p:spPr>
-          <a:xfrm>
-            <a:off x="469806" y="1918448"/>
-            <a:ext cx="8181135" cy="4258234"/>
-          </a:xfrm>
-        </p:spPr>
+        <p:spPr/>
         <p:txBody>
           <a:bodyPr>
             <a:normAutofit/>
@@ -5844,34 +5838,25 @@
           <a:p>
             <a:r>
               <a:rPr lang="en-US" dirty="0"/>
-              <a:t>TAs are available almost every day each week</a:t>
-            </a:r>
-          </a:p>
-          <a:p>
-            <a:pPr lvl="1"/>
-            <a:r>
-              <a:rPr lang="en-US" dirty="0"/>
-              <a:t>Schedule is forthcoming (posted on course web)</a:t>
-            </a:r>
-          </a:p>
-          <a:p>
-            <a:pPr lvl="1"/>
-            <a:r>
-              <a:rPr lang="en-US" dirty="0"/>
-              <a:t>In “CS Commons” (next to CSD office)</a:t>
-            </a:r>
-          </a:p>
-          <a:p>
-            <a:r>
-              <a:rPr lang="en-US" dirty="0"/>
-              <a:t>Come with specific questions and/or code with which you need help</a:t>
-            </a:r>
-          </a:p>
-          <a:p>
-            <a:pPr lvl="1"/>
-            <a:r>
-              <a:rPr lang="en-US" dirty="0"/>
-              <a:t>TAs strive to spend time with everyone that comes to a session so be courteous and share the TA’s attention</a:t>
+              <a:t>Cell phones should be put away during class</a:t>
+            </a:r>
+          </a:p>
+          <a:p>
+            <a:r>
+              <a:rPr lang="en-US" dirty="0"/>
+              <a:t>Laptops may be used during periods where you are asked to work on an exercise during class</a:t>
+            </a:r>
+          </a:p>
+          <a:p>
+            <a:r>
+              <a:rPr lang="en-US" dirty="0"/>
+              <a:t>Lecture slides are available on the course website for study before class</a:t>
+            </a:r>
+          </a:p>
+          <a:p>
+            <a:r>
+              <a:rPr lang="en-US" dirty="0"/>
+              <a:t>Talk to me after class if there’s an issue with this policy</a:t>
             </a:r>
           </a:p>
         </p:txBody>
@@ -5881,7 +5866,7 @@
           <p:cNvPr id="4" name="Footer Placeholder 3">
             <a:extLst>
               <a:ext uri="{FF2B5EF4-FFF2-40B4-BE49-F238E27FC236}">
-                <a16:creationId xmlns:a16="http://schemas.microsoft.com/office/drawing/2014/main" id="{0FF305C1-95E2-4639-8346-DB850D6271A9}"/>
+                <a16:creationId xmlns:a16="http://schemas.microsoft.com/office/drawing/2014/main" id="{12D02A4C-B625-43FD-98E5-EFE04B4B19A0}"/>
               </a:ext>
             </a:extLst>
           </p:cNvPr>
@@ -5909,7 +5894,7 @@
           <p:cNvPr id="5" name="Slide Number Placeholder 4">
             <a:extLst>
               <a:ext uri="{FF2B5EF4-FFF2-40B4-BE49-F238E27FC236}">
-                <a16:creationId xmlns:a16="http://schemas.microsoft.com/office/drawing/2014/main" id="{AF52C82D-E031-4630-9738-E209BB139D95}"/>
+                <a16:creationId xmlns:a16="http://schemas.microsoft.com/office/drawing/2014/main" id="{B929D5EA-A9D5-45CB-B0E8-0CEAAF077A3E}"/>
               </a:ext>
             </a:extLst>
           </p:cNvPr>
@@ -5936,7 +5921,7 @@
     </p:spTree>
     <p:extLst>
       <p:ext uri="{BB962C8B-B14F-4D97-AF65-F5344CB8AC3E}">
-        <p14:creationId xmlns:p14="http://schemas.microsoft.com/office/powerpoint/2010/main" val="3793580446"/>
+        <p14:creationId xmlns:p14="http://schemas.microsoft.com/office/powerpoint/2010/main" val="3352367462"/>
       </p:ext>
     </p:extLst>
   </p:cSld>
@@ -5965,7 +5950,13 @@
       </p:grpSpPr>
       <p:sp>
         <p:nvSpPr>
-          <p:cNvPr id="2" name="Title 1"/>
+          <p:cNvPr id="2" name="Title 1">
+            <a:extLst>
+              <a:ext uri="{FF2B5EF4-FFF2-40B4-BE49-F238E27FC236}">
+                <a16:creationId xmlns:a16="http://schemas.microsoft.com/office/drawing/2014/main" id="{C73A5A26-071C-4629-AD8B-34D7D3A3A1BE}"/>
+              </a:ext>
+            </a:extLst>
+          </p:cNvPr>
           <p:cNvSpPr>
             <a:spLocks noGrp="1"/>
           </p:cNvSpPr>
@@ -5980,14 +5971,20 @@
           <a:p>
             <a:r>
               <a:rPr lang="en-US" dirty="0"/>
-              <a:t>Electronics in Class</a:t>
-            </a:r>
-          </a:p>
-        </p:txBody>
-      </p:sp>
-      <p:sp>
-        <p:nvSpPr>
-          <p:cNvPr id="3" name="Content Placeholder 2"/>
+              <a:t>Disability</a:t>
+            </a:r>
+          </a:p>
+        </p:txBody>
+      </p:sp>
+      <p:sp>
+        <p:nvSpPr>
+          <p:cNvPr id="3" name="Content Placeholder 2">
+            <a:extLst>
+              <a:ext uri="{FF2B5EF4-FFF2-40B4-BE49-F238E27FC236}">
+                <a16:creationId xmlns:a16="http://schemas.microsoft.com/office/drawing/2014/main" id="{F9868F46-B405-4D00-AAB3-F99F7A97F44F}"/>
+              </a:ext>
+            </a:extLst>
+          </p:cNvPr>
           <p:cNvSpPr>
             <a:spLocks noGrp="1"/>
           </p:cNvSpPr>
@@ -5995,34 +5992,70 @@
             <p:ph idx="1"/>
           </p:nvPr>
         </p:nvSpPr>
-        <p:spPr/>
+        <p:spPr>
+          <a:xfrm>
+            <a:off x="317406" y="1882589"/>
+            <a:ext cx="8512829" cy="4052046"/>
+          </a:xfrm>
+        </p:spPr>
         <p:txBody>
           <a:bodyPr>
             <a:normAutofit/>
           </a:bodyPr>
           <a:lstStyle/>
           <a:p>
-            <a:r>
-              <a:rPr lang="en-US" dirty="0"/>
-              <a:t>Cell phones should be put away during class</a:t>
-            </a:r>
-          </a:p>
-          <a:p>
-            <a:r>
-              <a:rPr lang="en-US" dirty="0"/>
-              <a:t>Laptops may be used during periods where you are asked to work on an exercise during class</a:t>
-            </a:r>
-          </a:p>
-          <a:p>
-            <a:r>
-              <a:rPr lang="en-US" dirty="0"/>
-              <a:t>Lecture slides are available on the course website for study before class</a:t>
-            </a:r>
-          </a:p>
-          <a:p>
-            <a:r>
-              <a:rPr lang="en-US" dirty="0"/>
-              <a:t>Talk to me after class if there’s an issue with this policy</a:t>
+            <a:pPr>
+              <a:spcBef>
+                <a:spcPts val="0"/>
+              </a:spcBef>
+            </a:pPr>
+            <a:r>
+              <a:rPr lang="en-US" dirty="0"/>
+              <a:t>If you have a physical, psychological, medical or learning disability, please contact the Student Services and Career Team.</a:t>
+            </a:r>
+          </a:p>
+          <a:p>
+            <a:pPr lvl="1">
+              <a:spcBef>
+                <a:spcPts val="0"/>
+              </a:spcBef>
+            </a:pPr>
+            <a:r>
+              <a:rPr lang="en-US" dirty="0"/>
+              <a:t>Location: Academic Building A208</a:t>
+            </a:r>
+          </a:p>
+          <a:p>
+            <a:pPr lvl="1">
+              <a:spcBef>
+                <a:spcPts val="0"/>
+              </a:spcBef>
+            </a:pPr>
+            <a:r>
+              <a:rPr lang="en-US" dirty="0"/>
+              <a:t>Phone: 626-1190</a:t>
+            </a:r>
+          </a:p>
+          <a:p>
+            <a:pPr>
+              <a:spcBef>
+                <a:spcPts val="0"/>
+              </a:spcBef>
+            </a:pPr>
+            <a:r>
+              <a:rPr lang="en-US" dirty="0"/>
+              <a:t>The DSS will determine with you what accommodations, if any, are necessary and appropriate</a:t>
+            </a:r>
+          </a:p>
+          <a:p>
+            <a:pPr>
+              <a:spcBef>
+                <a:spcPts val="0"/>
+              </a:spcBef>
+            </a:pPr>
+            <a:r>
+              <a:rPr lang="en-US" dirty="0"/>
+              <a:t>All information and documentation of disability is confidential</a:t>
             </a:r>
           </a:p>
         </p:txBody>
@@ -6032,7 +6065,7 @@
           <p:cNvPr id="4" name="Footer Placeholder 3">
             <a:extLst>
               <a:ext uri="{FF2B5EF4-FFF2-40B4-BE49-F238E27FC236}">
-                <a16:creationId xmlns:a16="http://schemas.microsoft.com/office/drawing/2014/main" id="{12D02A4C-B625-43FD-98E5-EFE04B4B19A0}"/>
+                <a16:creationId xmlns:a16="http://schemas.microsoft.com/office/drawing/2014/main" id="{D721A027-F33A-41F7-B640-A24FE736A2E9}"/>
               </a:ext>
             </a:extLst>
           </p:cNvPr>
@@ -6060,7 +6093,7 @@
           <p:cNvPr id="5" name="Slide Number Placeholder 4">
             <a:extLst>
               <a:ext uri="{FF2B5EF4-FFF2-40B4-BE49-F238E27FC236}">
-                <a16:creationId xmlns:a16="http://schemas.microsoft.com/office/drawing/2014/main" id="{B929D5EA-A9D5-45CB-B0E8-0CEAAF077A3E}"/>
+                <a16:creationId xmlns:a16="http://schemas.microsoft.com/office/drawing/2014/main" id="{15A1D9EE-CD9E-4C12-A7F9-A88E537210F5}"/>
               </a:ext>
             </a:extLst>
           </p:cNvPr>
@@ -6087,7 +6120,7 @@
     </p:spTree>
     <p:extLst>
       <p:ext uri="{BB962C8B-B14F-4D97-AF65-F5344CB8AC3E}">
-        <p14:creationId xmlns:p14="http://schemas.microsoft.com/office/powerpoint/2010/main" val="3352367462"/>
+        <p14:creationId xmlns:p14="http://schemas.microsoft.com/office/powerpoint/2010/main" val="3555633094"/>
       </p:ext>
     </p:extLst>
   </p:cSld>
@@ -6286,205 +6319,6 @@
           <p:cNvPr id="2" name="Title 1">
             <a:extLst>
               <a:ext uri="{FF2B5EF4-FFF2-40B4-BE49-F238E27FC236}">
-                <a16:creationId xmlns:a16="http://schemas.microsoft.com/office/drawing/2014/main" id="{C73A5A26-071C-4629-AD8B-34D7D3A3A1BE}"/>
-              </a:ext>
-            </a:extLst>
-          </p:cNvPr>
-          <p:cNvSpPr>
-            <a:spLocks noGrp="1"/>
-          </p:cNvSpPr>
-          <p:nvPr>
-            <p:ph type="title"/>
-          </p:nvPr>
-        </p:nvSpPr>
-        <p:spPr/>
-        <p:txBody>
-          <a:bodyPr/>
-          <a:lstStyle/>
-          <a:p>
-            <a:r>
-              <a:rPr lang="en-US" dirty="0"/>
-              <a:t>Disability</a:t>
-            </a:r>
-          </a:p>
-        </p:txBody>
-      </p:sp>
-      <p:sp>
-        <p:nvSpPr>
-          <p:cNvPr id="3" name="Content Placeholder 2">
-            <a:extLst>
-              <a:ext uri="{FF2B5EF4-FFF2-40B4-BE49-F238E27FC236}">
-                <a16:creationId xmlns:a16="http://schemas.microsoft.com/office/drawing/2014/main" id="{F9868F46-B405-4D00-AAB3-F99F7A97F44F}"/>
-              </a:ext>
-            </a:extLst>
-          </p:cNvPr>
-          <p:cNvSpPr>
-            <a:spLocks noGrp="1"/>
-          </p:cNvSpPr>
-          <p:nvPr>
-            <p:ph idx="1"/>
-          </p:nvPr>
-        </p:nvSpPr>
-        <p:spPr>
-          <a:xfrm>
-            <a:off x="317406" y="1882589"/>
-            <a:ext cx="8512829" cy="4052046"/>
-          </a:xfrm>
-        </p:spPr>
-        <p:txBody>
-          <a:bodyPr>
-            <a:normAutofit/>
-          </a:bodyPr>
-          <a:lstStyle/>
-          <a:p>
-            <a:pPr>
-              <a:spcBef>
-                <a:spcPts val="0"/>
-              </a:spcBef>
-            </a:pPr>
-            <a:r>
-              <a:rPr lang="en-US" dirty="0"/>
-              <a:t>If you have a physical, psychological, medical or learning disability, please contact the Student Services and Career Team.</a:t>
-            </a:r>
-          </a:p>
-          <a:p>
-            <a:pPr lvl="1">
-              <a:spcBef>
-                <a:spcPts val="0"/>
-              </a:spcBef>
-            </a:pPr>
-            <a:r>
-              <a:rPr lang="en-US" dirty="0"/>
-              <a:t>Location: Academic Building A208</a:t>
-            </a:r>
-          </a:p>
-          <a:p>
-            <a:pPr lvl="1">
-              <a:spcBef>
-                <a:spcPts val="0"/>
-              </a:spcBef>
-            </a:pPr>
-            <a:r>
-              <a:rPr lang="en-US" dirty="0"/>
-              <a:t>Phone: 626-1190</a:t>
-            </a:r>
-          </a:p>
-          <a:p>
-            <a:pPr>
-              <a:spcBef>
-                <a:spcPts val="0"/>
-              </a:spcBef>
-            </a:pPr>
-            <a:r>
-              <a:rPr lang="en-US" dirty="0"/>
-              <a:t>The DSS will determine with you what accommodations, if any, are necessary and appropriate</a:t>
-            </a:r>
-          </a:p>
-          <a:p>
-            <a:pPr>
-              <a:spcBef>
-                <a:spcPts val="0"/>
-              </a:spcBef>
-            </a:pPr>
-            <a:r>
-              <a:rPr lang="en-US" dirty="0"/>
-              <a:t>All information and documentation of disability is confidential</a:t>
-            </a:r>
-          </a:p>
-        </p:txBody>
-      </p:sp>
-      <p:sp>
-        <p:nvSpPr>
-          <p:cNvPr id="4" name="Footer Placeholder 3">
-            <a:extLst>
-              <a:ext uri="{FF2B5EF4-FFF2-40B4-BE49-F238E27FC236}">
-                <a16:creationId xmlns:a16="http://schemas.microsoft.com/office/drawing/2014/main" id="{D721A027-F33A-41F7-B640-A24FE736A2E9}"/>
-              </a:ext>
-            </a:extLst>
-          </p:cNvPr>
-          <p:cNvSpPr>
-            <a:spLocks noGrp="1"/>
-          </p:cNvSpPr>
-          <p:nvPr>
-            <p:ph type="ftr" sz="quarter" idx="11"/>
-          </p:nvPr>
-        </p:nvSpPr>
-        <p:spPr/>
-        <p:txBody>
-          <a:bodyPr/>
-          <a:lstStyle/>
-          <a:p>
-            <a:r>
-              <a:rPr lang="en-US" dirty="0"/>
-              <a:t>(c) Pravin Pawar - SUNY Korea, Richard McKenna - SBU - CSE 308</a:t>
-            </a:r>
-          </a:p>
-        </p:txBody>
-      </p:sp>
-      <p:sp>
-        <p:nvSpPr>
-          <p:cNvPr id="5" name="Slide Number Placeholder 4">
-            <a:extLst>
-              <a:ext uri="{FF2B5EF4-FFF2-40B4-BE49-F238E27FC236}">
-                <a16:creationId xmlns:a16="http://schemas.microsoft.com/office/drawing/2014/main" id="{15A1D9EE-CD9E-4C12-A7F9-A88E537210F5}"/>
-              </a:ext>
-            </a:extLst>
-          </p:cNvPr>
-          <p:cNvSpPr>
-            <a:spLocks noGrp="1"/>
-          </p:cNvSpPr>
-          <p:nvPr>
-            <p:ph type="sldNum" sz="quarter" idx="12"/>
-          </p:nvPr>
-        </p:nvSpPr>
-        <p:spPr/>
-        <p:txBody>
-          <a:bodyPr/>
-          <a:lstStyle/>
-          <a:p>
-            <a:fld id="{E29BF8A0-881F-9B42-8DF7-7F4C738CBC54}" type="slidenum">
-              <a:rPr lang="en-US" smtClean="0"/>
-              <a:t>20</a:t>
-            </a:fld>
-            <a:endParaRPr lang="en-US"/>
-          </a:p>
-        </p:txBody>
-      </p:sp>
-    </p:spTree>
-    <p:extLst>
-      <p:ext uri="{BB962C8B-B14F-4D97-AF65-F5344CB8AC3E}">
-        <p14:creationId xmlns:p14="http://schemas.microsoft.com/office/powerpoint/2010/main" val="3555633094"/>
-      </p:ext>
-    </p:extLst>
-  </p:cSld>
-  <p:clrMapOvr>
-    <a:masterClrMapping/>
-  </p:clrMapOvr>
-</p:sld>
-</file>
-
-<file path=ppt/slides/slide21.xml><?xml version="1.0" encoding="utf-8"?>
-<p:sld xmlns:a="http://schemas.openxmlformats.org/drawingml/2006/main" xmlns:r="http://schemas.openxmlformats.org/officeDocument/2006/relationships" xmlns:p="http://schemas.openxmlformats.org/presentationml/2006/main">
-  <p:cSld>
-    <p:spTree>
-      <p:nvGrpSpPr>
-        <p:cNvPr id="1" name=""/>
-        <p:cNvGrpSpPr/>
-        <p:nvPr/>
-      </p:nvGrpSpPr>
-      <p:grpSpPr>
-        <a:xfrm>
-          <a:off x="0" y="0"/>
-          <a:ext cx="0" cy="0"/>
-          <a:chOff x="0" y="0"/>
-          <a:chExt cx="0" cy="0"/>
-        </a:xfrm>
-      </p:grpSpPr>
-      <p:sp>
-        <p:nvSpPr>
-          <p:cNvPr id="2" name="Title 1">
-            <a:extLst>
-              <a:ext uri="{FF2B5EF4-FFF2-40B4-BE49-F238E27FC236}">
                 <a16:creationId xmlns:a16="http://schemas.microsoft.com/office/drawing/2014/main" id="{567F05DD-4BE1-433D-A89C-5F78F8280258}"/>
               </a:ext>
             </a:extLst>
@@ -6705,7 +6539,7 @@
           <a:p>
             <a:fld id="{E29BF8A0-881F-9B42-8DF7-7F4C738CBC54}" type="slidenum">
               <a:rPr lang="en-US" smtClean="0"/>
-              <a:t>21</a:t>
+              <a:t>20</a:t>
             </a:fld>
             <a:endParaRPr lang="en-US"/>
           </a:p>
@@ -7016,21 +6850,13 @@
             </a:r>
             <a:r>
               <a:rPr lang="en-US" i="1" dirty="0"/>
-              <a:t>Tue/Thu 10:30 AM - 12:00 PM, Wed 5:00 PM - 6:30 PM</a:t>
-            </a:r>
-          </a:p>
-          <a:p>
-            <a:r>
-              <a:rPr lang="en-US" dirty="0"/>
-              <a:t>Teaching Assistants</a:t>
-            </a:r>
-          </a:p>
-          <a:p>
-            <a:pPr lvl="1"/>
-            <a:r>
-              <a:rPr lang="en-US" dirty="0"/>
-              <a:t>Undergraduate (tutoring TA):</a:t>
-            </a:r>
+              <a:t>Tue/Thu 10:30 AM - 12:00 PM, Wed 5:00 PM - </a:t>
+            </a:r>
+            <a:r>
+              <a:rPr lang="en-US" i="1"/>
+              <a:t>6:30 PM</a:t>
+            </a:r>
+            <a:endParaRPr lang="en-US" i="1" dirty="0"/>
           </a:p>
         </p:txBody>
       </p:sp>
